--- a/forwardModel/BKA-results/data-model-resids/Cont/contBKA-gallery.pptx
+++ b/forwardModel/BKA-results/data-model-resids/Cont/contBKA-gallery.pptx
@@ -197,7 +197,7 @@
           <a:p>
             <a:fld id="{08C121A9-109E-EB46-8716-F9E8805ED9E7}" type="datetimeFigureOut">
               <a:rPr lang="en-US" smtClean="0"/>
-              <a:t>7/23/21</a:t>
+              <a:t>1/11/22</a:t>
             </a:fld>
             <a:endParaRPr lang="en-US"/>
           </a:p>
@@ -679,7 +679,7 @@
           <a:p>
             <a:fld id="{92FBD9D3-FD56-2445-B4E5-1DB60E749807}" type="datetimeFigureOut">
               <a:rPr lang="en-US" smtClean="0"/>
-              <a:t>7/23/21</a:t>
+              <a:t>1/11/22</a:t>
             </a:fld>
             <a:endParaRPr lang="en-US"/>
           </a:p>
@@ -849,7 +849,7 @@
           <a:p>
             <a:fld id="{92FBD9D3-FD56-2445-B4E5-1DB60E749807}" type="datetimeFigureOut">
               <a:rPr lang="en-US" smtClean="0"/>
-              <a:t>7/23/21</a:t>
+              <a:t>1/11/22</a:t>
             </a:fld>
             <a:endParaRPr lang="en-US"/>
           </a:p>
@@ -1029,7 +1029,7 @@
           <a:p>
             <a:fld id="{92FBD9D3-FD56-2445-B4E5-1DB60E749807}" type="datetimeFigureOut">
               <a:rPr lang="en-US" smtClean="0"/>
-              <a:t>7/23/21</a:t>
+              <a:t>1/11/22</a:t>
             </a:fld>
             <a:endParaRPr lang="en-US"/>
           </a:p>
@@ -1199,7 +1199,7 @@
           <a:p>
             <a:fld id="{92FBD9D3-FD56-2445-B4E5-1DB60E749807}" type="datetimeFigureOut">
               <a:rPr lang="en-US" smtClean="0"/>
-              <a:t>7/23/21</a:t>
+              <a:t>1/11/22</a:t>
             </a:fld>
             <a:endParaRPr lang="en-US"/>
           </a:p>
@@ -1443,7 +1443,7 @@
           <a:p>
             <a:fld id="{92FBD9D3-FD56-2445-B4E5-1DB60E749807}" type="datetimeFigureOut">
               <a:rPr lang="en-US" smtClean="0"/>
-              <a:t>7/23/21</a:t>
+              <a:t>1/11/22</a:t>
             </a:fld>
             <a:endParaRPr lang="en-US"/>
           </a:p>
@@ -1675,7 +1675,7 @@
           <a:p>
             <a:fld id="{92FBD9D3-FD56-2445-B4E5-1DB60E749807}" type="datetimeFigureOut">
               <a:rPr lang="en-US" smtClean="0"/>
-              <a:t>7/23/21</a:t>
+              <a:t>1/11/22</a:t>
             </a:fld>
             <a:endParaRPr lang="en-US"/>
           </a:p>
@@ -2042,7 +2042,7 @@
           <a:p>
             <a:fld id="{92FBD9D3-FD56-2445-B4E5-1DB60E749807}" type="datetimeFigureOut">
               <a:rPr lang="en-US" smtClean="0"/>
-              <a:t>7/23/21</a:t>
+              <a:t>1/11/22</a:t>
             </a:fld>
             <a:endParaRPr lang="en-US"/>
           </a:p>
@@ -2160,7 +2160,7 @@
           <a:p>
             <a:fld id="{92FBD9D3-FD56-2445-B4E5-1DB60E749807}" type="datetimeFigureOut">
               <a:rPr lang="en-US" smtClean="0"/>
-              <a:t>7/23/21</a:t>
+              <a:t>1/11/22</a:t>
             </a:fld>
             <a:endParaRPr lang="en-US"/>
           </a:p>
@@ -2255,7 +2255,7 @@
           <a:p>
             <a:fld id="{92FBD9D3-FD56-2445-B4E5-1DB60E749807}" type="datetimeFigureOut">
               <a:rPr lang="en-US" smtClean="0"/>
-              <a:t>7/23/21</a:t>
+              <a:t>1/11/22</a:t>
             </a:fld>
             <a:endParaRPr lang="en-US"/>
           </a:p>
@@ -2532,7 +2532,7 @@
           <a:p>
             <a:fld id="{92FBD9D3-FD56-2445-B4E5-1DB60E749807}" type="datetimeFigureOut">
               <a:rPr lang="en-US" smtClean="0"/>
-              <a:t>7/23/21</a:t>
+              <a:t>1/11/22</a:t>
             </a:fld>
             <a:endParaRPr lang="en-US"/>
           </a:p>
@@ -2789,7 +2789,7 @@
           <a:p>
             <a:fld id="{92FBD9D3-FD56-2445-B4E5-1DB60E749807}" type="datetimeFigureOut">
               <a:rPr lang="en-US" smtClean="0"/>
-              <a:t>7/23/21</a:t>
+              <a:t>1/11/22</a:t>
             </a:fld>
             <a:endParaRPr lang="en-US"/>
           </a:p>
@@ -3002,7 +3002,7 @@
           <a:p>
             <a:fld id="{92FBD9D3-FD56-2445-B4E5-1DB60E749807}" type="datetimeFigureOut">
               <a:rPr lang="en-US" smtClean="0"/>
-              <a:t>7/23/21</a:t>
+              <a:t>1/11/22</a:t>
             </a:fld>
             <a:endParaRPr lang="en-US"/>
           </a:p>
@@ -3423,9 +3423,8 @@
         </p:nvPicPr>
         <p:blipFill>
           <a:blip r:embed="rId3"/>
-          <a:stretch>
-            <a:fillRect/>
-          </a:stretch>
+          <a:srcRect/>
+          <a:stretch/>
         </p:blipFill>
         <p:spPr>
           <a:xfrm>
@@ -3453,9 +3452,8 @@
         </p:nvPicPr>
         <p:blipFill>
           <a:blip r:embed="rId4"/>
-          <a:stretch>
-            <a:fillRect/>
-          </a:stretch>
+          <a:srcRect/>
+          <a:stretch/>
         </p:blipFill>
         <p:spPr>
           <a:xfrm>
@@ -3483,9 +3481,8 @@
         </p:nvPicPr>
         <p:blipFill>
           <a:blip r:embed="rId5"/>
-          <a:stretch>
-            <a:fillRect/>
-          </a:stretch>
+          <a:srcRect/>
+          <a:stretch/>
         </p:blipFill>
         <p:spPr>
           <a:xfrm>
@@ -3513,9 +3510,8 @@
         </p:nvPicPr>
         <p:blipFill>
           <a:blip r:embed="rId6"/>
-          <a:stretch>
-            <a:fillRect/>
-          </a:stretch>
+          <a:srcRect/>
+          <a:stretch/>
         </p:blipFill>
         <p:spPr>
           <a:xfrm>
@@ -3543,9 +3539,8 @@
         </p:nvPicPr>
         <p:blipFill>
           <a:blip r:embed="rId7"/>
-          <a:stretch>
-            <a:fillRect/>
-          </a:stretch>
+          <a:srcRect/>
+          <a:stretch/>
         </p:blipFill>
         <p:spPr>
           <a:xfrm>
@@ -3573,9 +3568,8 @@
         </p:nvPicPr>
         <p:blipFill>
           <a:blip r:embed="rId8"/>
-          <a:stretch>
-            <a:fillRect/>
-          </a:stretch>
+          <a:srcRect/>
+          <a:stretch/>
         </p:blipFill>
         <p:spPr>
           <a:xfrm>
@@ -3589,217 +3583,1249 @@
       </p:pic>
       <p:sp>
         <p:nvSpPr>
-          <p:cNvPr id="32" name="TextBox 31">
+          <p:cNvPr id="8" name="Rectangle 7">
             <a:extLst>
               <a:ext uri="{FF2B5EF4-FFF2-40B4-BE49-F238E27FC236}">
-                <a16:creationId xmlns:a16="http://schemas.microsoft.com/office/drawing/2014/main" id="{78FF8867-2A15-1546-B0F9-CECC4D4AD340}"/>
+                <a16:creationId xmlns:a16="http://schemas.microsoft.com/office/drawing/2014/main" id="{B86DC730-8CE2-174B-B59A-9397E2EDC275}"/>
               </a:ext>
             </a:extLst>
           </p:cNvPr>
-          <p:cNvSpPr txBox="1"/>
+          <p:cNvSpPr/>
           <p:nvPr/>
         </p:nvSpPr>
         <p:spPr>
-          <a:xfrm rot="16200000">
-            <a:off x="-184667" y="952955"/>
-            <a:ext cx="987771" cy="369332"/>
+          <a:xfrm>
+            <a:off x="604800" y="2977281"/>
+            <a:ext cx="158400" cy="237600"/>
           </a:xfrm>
           <a:prstGeom prst="rect">
             <a:avLst/>
           </a:prstGeom>
-          <a:noFill/>
-        </p:spPr>
-        <p:txBody>
-          <a:bodyPr wrap="none" rtlCol="0">
-            <a:spAutoFit/>
-          </a:bodyPr>
+          <a:solidFill>
+            <a:schemeClr val="bg1"/>
+          </a:solidFill>
+          <a:ln>
+            <a:noFill/>
+          </a:ln>
+        </p:spPr>
+        <p:style>
+          <a:lnRef idx="2">
+            <a:schemeClr val="accent1">
+              <a:shade val="50000"/>
+            </a:schemeClr>
+          </a:lnRef>
+          <a:fillRef idx="1">
+            <a:schemeClr val="accent1"/>
+          </a:fillRef>
+          <a:effectRef idx="0">
+            <a:schemeClr val="accent1"/>
+          </a:effectRef>
+          <a:fontRef idx="minor">
+            <a:schemeClr val="lt1"/>
+          </a:fontRef>
+        </p:style>
+        <p:txBody>
+          <a:bodyPr rtlCol="0" anchor="ctr"/>
           <a:lstStyle/>
           <a:p>
             <a:pPr algn="ctr"/>
-            <a:r>
-              <a:rPr lang="en-US" dirty="0"/>
-              <a:t>11Apr13</a:t>
-            </a:r>
-          </a:p>
-        </p:txBody>
-      </p:sp>
-      <p:sp>
-        <p:nvSpPr>
-          <p:cNvPr id="33" name="TextBox 32">
+            <a:endParaRPr lang="en-US"/>
+          </a:p>
+        </p:txBody>
+      </p:sp>
+      <p:sp>
+        <p:nvSpPr>
+          <p:cNvPr id="9" name="Rectangle 8">
             <a:extLst>
               <a:ext uri="{FF2B5EF4-FFF2-40B4-BE49-F238E27FC236}">
-                <a16:creationId xmlns:a16="http://schemas.microsoft.com/office/drawing/2014/main" id="{B4BB5866-E6BD-E847-8B9D-14B72F66AC03}"/>
+                <a16:creationId xmlns:a16="http://schemas.microsoft.com/office/drawing/2014/main" id="{E0A03036-0139-CA4C-9755-BDB722615E3B}"/>
               </a:ext>
             </a:extLst>
           </p:cNvPr>
-          <p:cNvSpPr txBox="1"/>
+          <p:cNvSpPr/>
           <p:nvPr/>
         </p:nvSpPr>
         <p:spPr>
-          <a:xfrm rot="16200000">
-            <a:off x="-126157" y="3238955"/>
-            <a:ext cx="870751" cy="369332"/>
+          <a:xfrm>
+            <a:off x="604800" y="3578400"/>
+            <a:ext cx="158400" cy="237600"/>
           </a:xfrm>
           <a:prstGeom prst="rect">
             <a:avLst/>
           </a:prstGeom>
-          <a:noFill/>
-        </p:spPr>
-        <p:txBody>
-          <a:bodyPr wrap="none" rtlCol="0">
-            <a:spAutoFit/>
-          </a:bodyPr>
+          <a:solidFill>
+            <a:schemeClr val="bg1"/>
+          </a:solidFill>
+          <a:ln>
+            <a:noFill/>
+          </a:ln>
+        </p:spPr>
+        <p:style>
+          <a:lnRef idx="2">
+            <a:schemeClr val="accent1">
+              <a:shade val="50000"/>
+            </a:schemeClr>
+          </a:lnRef>
+          <a:fillRef idx="1">
+            <a:schemeClr val="accent1"/>
+          </a:fillRef>
+          <a:effectRef idx="0">
+            <a:schemeClr val="accent1"/>
+          </a:effectRef>
+          <a:fontRef idx="minor">
+            <a:schemeClr val="lt1"/>
+          </a:fontRef>
+        </p:style>
+        <p:txBody>
+          <a:bodyPr rtlCol="0" anchor="ctr"/>
           <a:lstStyle/>
           <a:p>
             <a:pPr algn="ctr"/>
-            <a:r>
-              <a:rPr lang="en-US" dirty="0"/>
-              <a:t>8Apr14</a:t>
-            </a:r>
-          </a:p>
-        </p:txBody>
-      </p:sp>
-      <p:sp>
-        <p:nvSpPr>
-          <p:cNvPr id="34" name="TextBox 33">
+            <a:endParaRPr lang="en-US"/>
+          </a:p>
+        </p:txBody>
+      </p:sp>
+      <p:sp>
+        <p:nvSpPr>
+          <p:cNvPr id="10" name="Rectangle 9">
             <a:extLst>
               <a:ext uri="{FF2B5EF4-FFF2-40B4-BE49-F238E27FC236}">
-                <a16:creationId xmlns:a16="http://schemas.microsoft.com/office/drawing/2014/main" id="{28EDD1DC-CF56-8D44-B598-E49E9CD05C9B}"/>
+                <a16:creationId xmlns:a16="http://schemas.microsoft.com/office/drawing/2014/main" id="{B7B76016-3AE8-DF45-B5DA-232F7EC15D13}"/>
               </a:ext>
             </a:extLst>
           </p:cNvPr>
-          <p:cNvSpPr txBox="1"/>
+          <p:cNvSpPr/>
           <p:nvPr/>
         </p:nvSpPr>
         <p:spPr>
-          <a:xfrm rot="16200000">
-            <a:off x="-220992" y="5524955"/>
-            <a:ext cx="1060420" cy="369332"/>
+          <a:xfrm>
+            <a:off x="2326800" y="2995362"/>
+            <a:ext cx="158400" cy="237600"/>
           </a:xfrm>
           <a:prstGeom prst="rect">
             <a:avLst/>
           </a:prstGeom>
-          <a:noFill/>
-        </p:spPr>
-        <p:txBody>
-          <a:bodyPr wrap="none" rtlCol="0">
-            <a:spAutoFit/>
-          </a:bodyPr>
+          <a:solidFill>
+            <a:schemeClr val="bg1"/>
+          </a:solidFill>
+          <a:ln>
+            <a:noFill/>
+          </a:ln>
+        </p:spPr>
+        <p:style>
+          <a:lnRef idx="2">
+            <a:schemeClr val="accent1">
+              <a:shade val="50000"/>
+            </a:schemeClr>
+          </a:lnRef>
+          <a:fillRef idx="1">
+            <a:schemeClr val="accent1"/>
+          </a:fillRef>
+          <a:effectRef idx="0">
+            <a:schemeClr val="accent1"/>
+          </a:effectRef>
+          <a:fontRef idx="minor">
+            <a:schemeClr val="lt1"/>
+          </a:fontRef>
+        </p:style>
+        <p:txBody>
+          <a:bodyPr rtlCol="0" anchor="ctr"/>
           <a:lstStyle/>
           <a:p>
             <a:pPr algn="ctr"/>
-            <a:r>
-              <a:rPr lang="en-US" dirty="0"/>
-              <a:t>15May15</a:t>
-            </a:r>
-          </a:p>
-        </p:txBody>
-      </p:sp>
-      <p:sp>
-        <p:nvSpPr>
-          <p:cNvPr id="35" name="TextBox 34">
+            <a:endParaRPr lang="en-US"/>
+          </a:p>
+        </p:txBody>
+      </p:sp>
+      <p:sp>
+        <p:nvSpPr>
+          <p:cNvPr id="11" name="Rectangle 10">
             <a:extLst>
               <a:ext uri="{FF2B5EF4-FFF2-40B4-BE49-F238E27FC236}">
-                <a16:creationId xmlns:a16="http://schemas.microsoft.com/office/drawing/2014/main" id="{EE5D0707-3A0D-0043-85A4-E80369BE3EA1}"/>
+                <a16:creationId xmlns:a16="http://schemas.microsoft.com/office/drawing/2014/main" id="{CDEF8190-867D-6F47-810A-BDDE345D7945}"/>
               </a:ext>
             </a:extLst>
           </p:cNvPr>
-          <p:cNvSpPr txBox="1"/>
+          <p:cNvSpPr/>
           <p:nvPr/>
         </p:nvSpPr>
         <p:spPr>
-          <a:xfrm rot="16200000">
-            <a:off x="-220992" y="7821714"/>
-            <a:ext cx="1060420" cy="369332"/>
+          <a:xfrm>
+            <a:off x="2326800" y="3596481"/>
+            <a:ext cx="158400" cy="237600"/>
           </a:xfrm>
           <a:prstGeom prst="rect">
             <a:avLst/>
           </a:prstGeom>
-          <a:noFill/>
-        </p:spPr>
-        <p:txBody>
-          <a:bodyPr wrap="none" rtlCol="0">
-            <a:spAutoFit/>
-          </a:bodyPr>
+          <a:solidFill>
+            <a:schemeClr val="bg1"/>
+          </a:solidFill>
+          <a:ln>
+            <a:noFill/>
+          </a:ln>
+        </p:spPr>
+        <p:style>
+          <a:lnRef idx="2">
+            <a:schemeClr val="accent1">
+              <a:shade val="50000"/>
+            </a:schemeClr>
+          </a:lnRef>
+          <a:fillRef idx="1">
+            <a:schemeClr val="accent1"/>
+          </a:fillRef>
+          <a:effectRef idx="0">
+            <a:schemeClr val="accent1"/>
+          </a:effectRef>
+          <a:fontRef idx="minor">
+            <a:schemeClr val="lt1"/>
+          </a:fontRef>
+        </p:style>
+        <p:txBody>
+          <a:bodyPr rtlCol="0" anchor="ctr"/>
           <a:lstStyle/>
           <a:p>
             <a:pPr algn="ctr"/>
-            <a:r>
-              <a:rPr lang="en-US" dirty="0"/>
-              <a:t>16May15</a:t>
-            </a:r>
-          </a:p>
-        </p:txBody>
-      </p:sp>
-      <p:sp>
-        <p:nvSpPr>
-          <p:cNvPr id="36" name="TextBox 35">
+            <a:endParaRPr lang="en-US"/>
+          </a:p>
+        </p:txBody>
+      </p:sp>
+      <p:sp>
+        <p:nvSpPr>
+          <p:cNvPr id="12" name="Rectangle 11">
             <a:extLst>
               <a:ext uri="{FF2B5EF4-FFF2-40B4-BE49-F238E27FC236}">
-                <a16:creationId xmlns:a16="http://schemas.microsoft.com/office/drawing/2014/main" id="{85F00220-1BE3-8B46-80EB-ED91A17D613C}"/>
+                <a16:creationId xmlns:a16="http://schemas.microsoft.com/office/drawing/2014/main" id="{F49102D2-DD10-584D-81A1-4620BC3A389F}"/>
               </a:ext>
             </a:extLst>
           </p:cNvPr>
-          <p:cNvSpPr txBox="1"/>
+          <p:cNvSpPr/>
           <p:nvPr/>
         </p:nvSpPr>
         <p:spPr>
-          <a:xfrm rot="16200000">
-            <a:off x="-220993" y="10118474"/>
-            <a:ext cx="1060420" cy="369332"/>
+          <a:xfrm>
+            <a:off x="4006800" y="2977281"/>
+            <a:ext cx="158400" cy="237600"/>
           </a:xfrm>
           <a:prstGeom prst="rect">
             <a:avLst/>
           </a:prstGeom>
-          <a:noFill/>
-        </p:spPr>
-        <p:txBody>
-          <a:bodyPr wrap="none" rtlCol="0">
-            <a:spAutoFit/>
-          </a:bodyPr>
+          <a:solidFill>
+            <a:schemeClr val="bg1"/>
+          </a:solidFill>
+          <a:ln>
+            <a:noFill/>
+          </a:ln>
+        </p:spPr>
+        <p:style>
+          <a:lnRef idx="2">
+            <a:schemeClr val="accent1">
+              <a:shade val="50000"/>
+            </a:schemeClr>
+          </a:lnRef>
+          <a:fillRef idx="1">
+            <a:schemeClr val="accent1"/>
+          </a:fillRef>
+          <a:effectRef idx="0">
+            <a:schemeClr val="accent1"/>
+          </a:effectRef>
+          <a:fontRef idx="minor">
+            <a:schemeClr val="lt1"/>
+          </a:fontRef>
+        </p:style>
+        <p:txBody>
+          <a:bodyPr rtlCol="0" anchor="ctr"/>
           <a:lstStyle/>
           <a:p>
             <a:pPr algn="ctr"/>
-            <a:r>
-              <a:rPr lang="en-US" dirty="0"/>
-              <a:t>18May15</a:t>
-            </a:r>
-          </a:p>
-        </p:txBody>
-      </p:sp>
-      <p:sp>
-        <p:nvSpPr>
-          <p:cNvPr id="37" name="TextBox 36">
+            <a:endParaRPr lang="en-US"/>
+          </a:p>
+        </p:txBody>
+      </p:sp>
+      <p:sp>
+        <p:nvSpPr>
+          <p:cNvPr id="13" name="Rectangle 12">
             <a:extLst>
               <a:ext uri="{FF2B5EF4-FFF2-40B4-BE49-F238E27FC236}">
-                <a16:creationId xmlns:a16="http://schemas.microsoft.com/office/drawing/2014/main" id="{38066D89-8D9D-8D47-AFAE-C3F6EBEFEEE3}"/>
+                <a16:creationId xmlns:a16="http://schemas.microsoft.com/office/drawing/2014/main" id="{FECAEDD2-8D57-0E47-9384-7822755B81F9}"/>
               </a:ext>
             </a:extLst>
           </p:cNvPr>
-          <p:cNvSpPr txBox="1"/>
+          <p:cNvSpPr/>
           <p:nvPr/>
         </p:nvSpPr>
         <p:spPr>
-          <a:xfrm rot="16200000">
-            <a:off x="-184670" y="12404475"/>
-            <a:ext cx="987771" cy="369332"/>
+          <a:xfrm>
+            <a:off x="4006800" y="3578400"/>
+            <a:ext cx="158400" cy="237600"/>
           </a:xfrm>
           <a:prstGeom prst="rect">
             <a:avLst/>
           </a:prstGeom>
-          <a:noFill/>
-        </p:spPr>
-        <p:txBody>
-          <a:bodyPr wrap="none" rtlCol="0">
-            <a:spAutoFit/>
-          </a:bodyPr>
+          <a:solidFill>
+            <a:schemeClr val="bg1"/>
+          </a:solidFill>
+          <a:ln>
+            <a:noFill/>
+          </a:ln>
+        </p:spPr>
+        <p:style>
+          <a:lnRef idx="2">
+            <a:schemeClr val="accent1">
+              <a:shade val="50000"/>
+            </a:schemeClr>
+          </a:lnRef>
+          <a:fillRef idx="1">
+            <a:schemeClr val="accent1"/>
+          </a:fillRef>
+          <a:effectRef idx="0">
+            <a:schemeClr val="accent1"/>
+          </a:effectRef>
+          <a:fontRef idx="minor">
+            <a:schemeClr val="lt1"/>
+          </a:fontRef>
+        </p:style>
+        <p:txBody>
+          <a:bodyPr rtlCol="0" anchor="ctr"/>
           <a:lstStyle/>
           <a:p>
             <a:pPr algn="ctr"/>
-            <a:r>
-              <a:rPr lang="en-US" dirty="0"/>
-              <a:t>27Apr18</a:t>
-            </a:r>
+            <a:endParaRPr lang="en-US"/>
+          </a:p>
+        </p:txBody>
+      </p:sp>
+      <p:sp>
+        <p:nvSpPr>
+          <p:cNvPr id="14" name="Rectangle 13">
+            <a:extLst>
+              <a:ext uri="{FF2B5EF4-FFF2-40B4-BE49-F238E27FC236}">
+                <a16:creationId xmlns:a16="http://schemas.microsoft.com/office/drawing/2014/main" id="{D2034283-16E4-9C43-A5A7-F7CCFB1886ED}"/>
+              </a:ext>
+            </a:extLst>
+          </p:cNvPr>
+          <p:cNvSpPr/>
+          <p:nvPr/>
+        </p:nvSpPr>
+        <p:spPr>
+          <a:xfrm>
+            <a:off x="604800" y="670748"/>
+            <a:ext cx="158400" cy="237600"/>
+          </a:xfrm>
+          <a:prstGeom prst="rect">
+            <a:avLst/>
+          </a:prstGeom>
+          <a:solidFill>
+            <a:schemeClr val="bg1"/>
+          </a:solidFill>
+          <a:ln>
+            <a:noFill/>
+          </a:ln>
+        </p:spPr>
+        <p:style>
+          <a:lnRef idx="2">
+            <a:schemeClr val="accent1">
+              <a:shade val="50000"/>
+            </a:schemeClr>
+          </a:lnRef>
+          <a:fillRef idx="1">
+            <a:schemeClr val="accent1"/>
+          </a:fillRef>
+          <a:effectRef idx="0">
+            <a:schemeClr val="accent1"/>
+          </a:effectRef>
+          <a:fontRef idx="minor">
+            <a:schemeClr val="lt1"/>
+          </a:fontRef>
+        </p:style>
+        <p:txBody>
+          <a:bodyPr rtlCol="0" anchor="ctr"/>
+          <a:lstStyle/>
+          <a:p>
+            <a:pPr algn="ctr"/>
+            <a:endParaRPr lang="en-US"/>
+          </a:p>
+        </p:txBody>
+      </p:sp>
+      <p:sp>
+        <p:nvSpPr>
+          <p:cNvPr id="15" name="Rectangle 14">
+            <a:extLst>
+              <a:ext uri="{FF2B5EF4-FFF2-40B4-BE49-F238E27FC236}">
+                <a16:creationId xmlns:a16="http://schemas.microsoft.com/office/drawing/2014/main" id="{FA106945-D416-0046-B5FF-2CE2FAE4F16A}"/>
+              </a:ext>
+            </a:extLst>
+          </p:cNvPr>
+          <p:cNvSpPr/>
+          <p:nvPr/>
+        </p:nvSpPr>
+        <p:spPr>
+          <a:xfrm>
+            <a:off x="604800" y="1271867"/>
+            <a:ext cx="158400" cy="237600"/>
+          </a:xfrm>
+          <a:prstGeom prst="rect">
+            <a:avLst/>
+          </a:prstGeom>
+          <a:solidFill>
+            <a:schemeClr val="bg1"/>
+          </a:solidFill>
+          <a:ln>
+            <a:noFill/>
+          </a:ln>
+        </p:spPr>
+        <p:style>
+          <a:lnRef idx="2">
+            <a:schemeClr val="accent1">
+              <a:shade val="50000"/>
+            </a:schemeClr>
+          </a:lnRef>
+          <a:fillRef idx="1">
+            <a:schemeClr val="accent1"/>
+          </a:fillRef>
+          <a:effectRef idx="0">
+            <a:schemeClr val="accent1"/>
+          </a:effectRef>
+          <a:fontRef idx="minor">
+            <a:schemeClr val="lt1"/>
+          </a:fontRef>
+        </p:style>
+        <p:txBody>
+          <a:bodyPr rtlCol="0" anchor="ctr"/>
+          <a:lstStyle/>
+          <a:p>
+            <a:pPr algn="ctr"/>
+            <a:endParaRPr lang="en-US"/>
+          </a:p>
+        </p:txBody>
+      </p:sp>
+      <p:sp>
+        <p:nvSpPr>
+          <p:cNvPr id="16" name="Rectangle 15">
+            <a:extLst>
+              <a:ext uri="{FF2B5EF4-FFF2-40B4-BE49-F238E27FC236}">
+                <a16:creationId xmlns:a16="http://schemas.microsoft.com/office/drawing/2014/main" id="{FEB85FE8-219F-2249-A2BC-1D296290FFA6}"/>
+              </a:ext>
+            </a:extLst>
+          </p:cNvPr>
+          <p:cNvSpPr/>
+          <p:nvPr/>
+        </p:nvSpPr>
+        <p:spPr>
+          <a:xfrm>
+            <a:off x="2326800" y="688829"/>
+            <a:ext cx="158400" cy="237600"/>
+          </a:xfrm>
+          <a:prstGeom prst="rect">
+            <a:avLst/>
+          </a:prstGeom>
+          <a:solidFill>
+            <a:schemeClr val="bg1"/>
+          </a:solidFill>
+          <a:ln>
+            <a:noFill/>
+          </a:ln>
+        </p:spPr>
+        <p:style>
+          <a:lnRef idx="2">
+            <a:schemeClr val="accent1">
+              <a:shade val="50000"/>
+            </a:schemeClr>
+          </a:lnRef>
+          <a:fillRef idx="1">
+            <a:schemeClr val="accent1"/>
+          </a:fillRef>
+          <a:effectRef idx="0">
+            <a:schemeClr val="accent1"/>
+          </a:effectRef>
+          <a:fontRef idx="minor">
+            <a:schemeClr val="lt1"/>
+          </a:fontRef>
+        </p:style>
+        <p:txBody>
+          <a:bodyPr rtlCol="0" anchor="ctr"/>
+          <a:lstStyle/>
+          <a:p>
+            <a:pPr algn="ctr"/>
+            <a:endParaRPr lang="en-US"/>
+          </a:p>
+        </p:txBody>
+      </p:sp>
+      <p:sp>
+        <p:nvSpPr>
+          <p:cNvPr id="17" name="Rectangle 16">
+            <a:extLst>
+              <a:ext uri="{FF2B5EF4-FFF2-40B4-BE49-F238E27FC236}">
+                <a16:creationId xmlns:a16="http://schemas.microsoft.com/office/drawing/2014/main" id="{F571E296-0F35-4A4D-BA59-B53B752DED30}"/>
+              </a:ext>
+            </a:extLst>
+          </p:cNvPr>
+          <p:cNvSpPr/>
+          <p:nvPr/>
+        </p:nvSpPr>
+        <p:spPr>
+          <a:xfrm>
+            <a:off x="2326800" y="1289948"/>
+            <a:ext cx="158400" cy="237600"/>
+          </a:xfrm>
+          <a:prstGeom prst="rect">
+            <a:avLst/>
+          </a:prstGeom>
+          <a:solidFill>
+            <a:schemeClr val="bg1"/>
+          </a:solidFill>
+          <a:ln>
+            <a:noFill/>
+          </a:ln>
+        </p:spPr>
+        <p:style>
+          <a:lnRef idx="2">
+            <a:schemeClr val="accent1">
+              <a:shade val="50000"/>
+            </a:schemeClr>
+          </a:lnRef>
+          <a:fillRef idx="1">
+            <a:schemeClr val="accent1"/>
+          </a:fillRef>
+          <a:effectRef idx="0">
+            <a:schemeClr val="accent1"/>
+          </a:effectRef>
+          <a:fontRef idx="minor">
+            <a:schemeClr val="lt1"/>
+          </a:fontRef>
+        </p:style>
+        <p:txBody>
+          <a:bodyPr rtlCol="0" anchor="ctr"/>
+          <a:lstStyle/>
+          <a:p>
+            <a:pPr algn="ctr"/>
+            <a:endParaRPr lang="en-US"/>
+          </a:p>
+        </p:txBody>
+      </p:sp>
+      <p:sp>
+        <p:nvSpPr>
+          <p:cNvPr id="19" name="Rectangle 18">
+            <a:extLst>
+              <a:ext uri="{FF2B5EF4-FFF2-40B4-BE49-F238E27FC236}">
+                <a16:creationId xmlns:a16="http://schemas.microsoft.com/office/drawing/2014/main" id="{A9B3FB92-E594-0946-A54E-6AC06C9F45A9}"/>
+              </a:ext>
+            </a:extLst>
+          </p:cNvPr>
+          <p:cNvSpPr/>
+          <p:nvPr/>
+        </p:nvSpPr>
+        <p:spPr>
+          <a:xfrm>
+            <a:off x="4006800" y="670748"/>
+            <a:ext cx="158400" cy="237600"/>
+          </a:xfrm>
+          <a:prstGeom prst="rect">
+            <a:avLst/>
+          </a:prstGeom>
+          <a:solidFill>
+            <a:schemeClr val="bg1"/>
+          </a:solidFill>
+          <a:ln>
+            <a:noFill/>
+          </a:ln>
+        </p:spPr>
+        <p:style>
+          <a:lnRef idx="2">
+            <a:schemeClr val="accent1">
+              <a:shade val="50000"/>
+            </a:schemeClr>
+          </a:lnRef>
+          <a:fillRef idx="1">
+            <a:schemeClr val="accent1"/>
+          </a:fillRef>
+          <a:effectRef idx="0">
+            <a:schemeClr val="accent1"/>
+          </a:effectRef>
+          <a:fontRef idx="minor">
+            <a:schemeClr val="lt1"/>
+          </a:fontRef>
+        </p:style>
+        <p:txBody>
+          <a:bodyPr rtlCol="0" anchor="ctr"/>
+          <a:lstStyle/>
+          <a:p>
+            <a:pPr algn="ctr"/>
+            <a:endParaRPr lang="en-US"/>
+          </a:p>
+        </p:txBody>
+      </p:sp>
+      <p:sp>
+        <p:nvSpPr>
+          <p:cNvPr id="20" name="Rectangle 19">
+            <a:extLst>
+              <a:ext uri="{FF2B5EF4-FFF2-40B4-BE49-F238E27FC236}">
+                <a16:creationId xmlns:a16="http://schemas.microsoft.com/office/drawing/2014/main" id="{63FBBCED-CB5F-9A4E-8579-D4B939E4E1E7}"/>
+              </a:ext>
+            </a:extLst>
+          </p:cNvPr>
+          <p:cNvSpPr/>
+          <p:nvPr/>
+        </p:nvSpPr>
+        <p:spPr>
+          <a:xfrm>
+            <a:off x="4006800" y="1271867"/>
+            <a:ext cx="158400" cy="237600"/>
+          </a:xfrm>
+          <a:prstGeom prst="rect">
+            <a:avLst/>
+          </a:prstGeom>
+          <a:solidFill>
+            <a:schemeClr val="bg1"/>
+          </a:solidFill>
+          <a:ln>
+            <a:noFill/>
+          </a:ln>
+        </p:spPr>
+        <p:style>
+          <a:lnRef idx="2">
+            <a:schemeClr val="accent1">
+              <a:shade val="50000"/>
+            </a:schemeClr>
+          </a:lnRef>
+          <a:fillRef idx="1">
+            <a:schemeClr val="accent1"/>
+          </a:fillRef>
+          <a:effectRef idx="0">
+            <a:schemeClr val="accent1"/>
+          </a:effectRef>
+          <a:fontRef idx="minor">
+            <a:schemeClr val="lt1"/>
+          </a:fontRef>
+        </p:style>
+        <p:txBody>
+          <a:bodyPr rtlCol="0" anchor="ctr"/>
+          <a:lstStyle/>
+          <a:p>
+            <a:pPr algn="ctr"/>
+            <a:endParaRPr lang="en-US"/>
+          </a:p>
+        </p:txBody>
+      </p:sp>
+      <p:sp>
+        <p:nvSpPr>
+          <p:cNvPr id="21" name="Rectangle 20">
+            <a:extLst>
+              <a:ext uri="{FF2B5EF4-FFF2-40B4-BE49-F238E27FC236}">
+                <a16:creationId xmlns:a16="http://schemas.microsoft.com/office/drawing/2014/main" id="{D4AF7EC0-EE16-B547-9839-E58D7F9552AF}"/>
+              </a:ext>
+            </a:extLst>
+          </p:cNvPr>
+          <p:cNvSpPr/>
+          <p:nvPr/>
+        </p:nvSpPr>
+        <p:spPr>
+          <a:xfrm>
+            <a:off x="604800" y="7585161"/>
+            <a:ext cx="158400" cy="237600"/>
+          </a:xfrm>
+          <a:prstGeom prst="rect">
+            <a:avLst/>
+          </a:prstGeom>
+          <a:solidFill>
+            <a:schemeClr val="bg1"/>
+          </a:solidFill>
+          <a:ln>
+            <a:noFill/>
+          </a:ln>
+        </p:spPr>
+        <p:style>
+          <a:lnRef idx="2">
+            <a:schemeClr val="accent1">
+              <a:shade val="50000"/>
+            </a:schemeClr>
+          </a:lnRef>
+          <a:fillRef idx="1">
+            <a:schemeClr val="accent1"/>
+          </a:fillRef>
+          <a:effectRef idx="0">
+            <a:schemeClr val="accent1"/>
+          </a:effectRef>
+          <a:fontRef idx="minor">
+            <a:schemeClr val="lt1"/>
+          </a:fontRef>
+        </p:style>
+        <p:txBody>
+          <a:bodyPr rtlCol="0" anchor="ctr"/>
+          <a:lstStyle/>
+          <a:p>
+            <a:pPr algn="ctr"/>
+            <a:endParaRPr lang="en-US"/>
+          </a:p>
+        </p:txBody>
+      </p:sp>
+      <p:sp>
+        <p:nvSpPr>
+          <p:cNvPr id="23" name="Rectangle 22">
+            <a:extLst>
+              <a:ext uri="{FF2B5EF4-FFF2-40B4-BE49-F238E27FC236}">
+                <a16:creationId xmlns:a16="http://schemas.microsoft.com/office/drawing/2014/main" id="{0AA302BE-97B2-334A-8736-F30D1FA64944}"/>
+              </a:ext>
+            </a:extLst>
+          </p:cNvPr>
+          <p:cNvSpPr/>
+          <p:nvPr/>
+        </p:nvSpPr>
+        <p:spPr>
+          <a:xfrm>
+            <a:off x="604800" y="8186280"/>
+            <a:ext cx="158400" cy="237600"/>
+          </a:xfrm>
+          <a:prstGeom prst="rect">
+            <a:avLst/>
+          </a:prstGeom>
+          <a:solidFill>
+            <a:schemeClr val="bg1"/>
+          </a:solidFill>
+          <a:ln>
+            <a:noFill/>
+          </a:ln>
+        </p:spPr>
+        <p:style>
+          <a:lnRef idx="2">
+            <a:schemeClr val="accent1">
+              <a:shade val="50000"/>
+            </a:schemeClr>
+          </a:lnRef>
+          <a:fillRef idx="1">
+            <a:schemeClr val="accent1"/>
+          </a:fillRef>
+          <a:effectRef idx="0">
+            <a:schemeClr val="accent1"/>
+          </a:effectRef>
+          <a:fontRef idx="minor">
+            <a:schemeClr val="lt1"/>
+          </a:fontRef>
+        </p:style>
+        <p:txBody>
+          <a:bodyPr rtlCol="0" anchor="ctr"/>
+          <a:lstStyle/>
+          <a:p>
+            <a:pPr algn="ctr"/>
+            <a:endParaRPr lang="en-US"/>
+          </a:p>
+        </p:txBody>
+      </p:sp>
+      <p:sp>
+        <p:nvSpPr>
+          <p:cNvPr id="24" name="Rectangle 23">
+            <a:extLst>
+              <a:ext uri="{FF2B5EF4-FFF2-40B4-BE49-F238E27FC236}">
+                <a16:creationId xmlns:a16="http://schemas.microsoft.com/office/drawing/2014/main" id="{06EA7141-54EF-A84D-B593-86D7BA3BEFAC}"/>
+              </a:ext>
+            </a:extLst>
+          </p:cNvPr>
+          <p:cNvSpPr/>
+          <p:nvPr/>
+        </p:nvSpPr>
+        <p:spPr>
+          <a:xfrm>
+            <a:off x="2326800" y="7603242"/>
+            <a:ext cx="158400" cy="237600"/>
+          </a:xfrm>
+          <a:prstGeom prst="rect">
+            <a:avLst/>
+          </a:prstGeom>
+          <a:solidFill>
+            <a:schemeClr val="bg1"/>
+          </a:solidFill>
+          <a:ln>
+            <a:noFill/>
+          </a:ln>
+        </p:spPr>
+        <p:style>
+          <a:lnRef idx="2">
+            <a:schemeClr val="accent1">
+              <a:shade val="50000"/>
+            </a:schemeClr>
+          </a:lnRef>
+          <a:fillRef idx="1">
+            <a:schemeClr val="accent1"/>
+          </a:fillRef>
+          <a:effectRef idx="0">
+            <a:schemeClr val="accent1"/>
+          </a:effectRef>
+          <a:fontRef idx="minor">
+            <a:schemeClr val="lt1"/>
+          </a:fontRef>
+        </p:style>
+        <p:txBody>
+          <a:bodyPr rtlCol="0" anchor="ctr"/>
+          <a:lstStyle/>
+          <a:p>
+            <a:pPr algn="ctr"/>
+            <a:endParaRPr lang="en-US"/>
+          </a:p>
+        </p:txBody>
+      </p:sp>
+      <p:sp>
+        <p:nvSpPr>
+          <p:cNvPr id="26" name="Rectangle 25">
+            <a:extLst>
+              <a:ext uri="{FF2B5EF4-FFF2-40B4-BE49-F238E27FC236}">
+                <a16:creationId xmlns:a16="http://schemas.microsoft.com/office/drawing/2014/main" id="{5343573F-3024-0F4D-9275-F8CF207DDA76}"/>
+              </a:ext>
+            </a:extLst>
+          </p:cNvPr>
+          <p:cNvSpPr/>
+          <p:nvPr/>
+        </p:nvSpPr>
+        <p:spPr>
+          <a:xfrm>
+            <a:off x="2326800" y="8204361"/>
+            <a:ext cx="158400" cy="237600"/>
+          </a:xfrm>
+          <a:prstGeom prst="rect">
+            <a:avLst/>
+          </a:prstGeom>
+          <a:solidFill>
+            <a:schemeClr val="bg1"/>
+          </a:solidFill>
+          <a:ln>
+            <a:noFill/>
+          </a:ln>
+        </p:spPr>
+        <p:style>
+          <a:lnRef idx="2">
+            <a:schemeClr val="accent1">
+              <a:shade val="50000"/>
+            </a:schemeClr>
+          </a:lnRef>
+          <a:fillRef idx="1">
+            <a:schemeClr val="accent1"/>
+          </a:fillRef>
+          <a:effectRef idx="0">
+            <a:schemeClr val="accent1"/>
+          </a:effectRef>
+          <a:fontRef idx="minor">
+            <a:schemeClr val="lt1"/>
+          </a:fontRef>
+        </p:style>
+        <p:txBody>
+          <a:bodyPr rtlCol="0" anchor="ctr"/>
+          <a:lstStyle/>
+          <a:p>
+            <a:pPr algn="ctr"/>
+            <a:endParaRPr lang="en-US"/>
+          </a:p>
+        </p:txBody>
+      </p:sp>
+      <p:sp>
+        <p:nvSpPr>
+          <p:cNvPr id="28" name="Rectangle 27">
+            <a:extLst>
+              <a:ext uri="{FF2B5EF4-FFF2-40B4-BE49-F238E27FC236}">
+                <a16:creationId xmlns:a16="http://schemas.microsoft.com/office/drawing/2014/main" id="{866C7509-BB4E-4A49-A6E6-E8B30A131C57}"/>
+              </a:ext>
+            </a:extLst>
+          </p:cNvPr>
+          <p:cNvSpPr/>
+          <p:nvPr/>
+        </p:nvSpPr>
+        <p:spPr>
+          <a:xfrm>
+            <a:off x="4006800" y="7585161"/>
+            <a:ext cx="158400" cy="237600"/>
+          </a:xfrm>
+          <a:prstGeom prst="rect">
+            <a:avLst/>
+          </a:prstGeom>
+          <a:solidFill>
+            <a:schemeClr val="bg1"/>
+          </a:solidFill>
+          <a:ln>
+            <a:noFill/>
+          </a:ln>
+        </p:spPr>
+        <p:style>
+          <a:lnRef idx="2">
+            <a:schemeClr val="accent1">
+              <a:shade val="50000"/>
+            </a:schemeClr>
+          </a:lnRef>
+          <a:fillRef idx="1">
+            <a:schemeClr val="accent1"/>
+          </a:fillRef>
+          <a:effectRef idx="0">
+            <a:schemeClr val="accent1"/>
+          </a:effectRef>
+          <a:fontRef idx="minor">
+            <a:schemeClr val="lt1"/>
+          </a:fontRef>
+        </p:style>
+        <p:txBody>
+          <a:bodyPr rtlCol="0" anchor="ctr"/>
+          <a:lstStyle/>
+          <a:p>
+            <a:pPr algn="ctr"/>
+            <a:endParaRPr lang="en-US"/>
+          </a:p>
+        </p:txBody>
+      </p:sp>
+      <p:sp>
+        <p:nvSpPr>
+          <p:cNvPr id="30" name="Rectangle 29">
+            <a:extLst>
+              <a:ext uri="{FF2B5EF4-FFF2-40B4-BE49-F238E27FC236}">
+                <a16:creationId xmlns:a16="http://schemas.microsoft.com/office/drawing/2014/main" id="{D5500C66-69E0-7F44-A961-12103BD324DC}"/>
+              </a:ext>
+            </a:extLst>
+          </p:cNvPr>
+          <p:cNvSpPr/>
+          <p:nvPr/>
+        </p:nvSpPr>
+        <p:spPr>
+          <a:xfrm>
+            <a:off x="4006800" y="8186280"/>
+            <a:ext cx="158400" cy="237600"/>
+          </a:xfrm>
+          <a:prstGeom prst="rect">
+            <a:avLst/>
+          </a:prstGeom>
+          <a:solidFill>
+            <a:schemeClr val="bg1"/>
+          </a:solidFill>
+          <a:ln>
+            <a:noFill/>
+          </a:ln>
+        </p:spPr>
+        <p:style>
+          <a:lnRef idx="2">
+            <a:schemeClr val="accent1">
+              <a:shade val="50000"/>
+            </a:schemeClr>
+          </a:lnRef>
+          <a:fillRef idx="1">
+            <a:schemeClr val="accent1"/>
+          </a:fillRef>
+          <a:effectRef idx="0">
+            <a:schemeClr val="accent1"/>
+          </a:effectRef>
+          <a:fontRef idx="minor">
+            <a:schemeClr val="lt1"/>
+          </a:fontRef>
+        </p:style>
+        <p:txBody>
+          <a:bodyPr rtlCol="0" anchor="ctr"/>
+          <a:lstStyle/>
+          <a:p>
+            <a:pPr algn="ctr"/>
+            <a:endParaRPr lang="en-US"/>
+          </a:p>
+        </p:txBody>
+      </p:sp>
+      <p:sp>
+        <p:nvSpPr>
+          <p:cNvPr id="32" name="Rectangle 31">
+            <a:extLst>
+              <a:ext uri="{FF2B5EF4-FFF2-40B4-BE49-F238E27FC236}">
+                <a16:creationId xmlns:a16="http://schemas.microsoft.com/office/drawing/2014/main" id="{D581F7F8-548C-9149-A9DB-F726F4FCF0A4}"/>
+              </a:ext>
+            </a:extLst>
+          </p:cNvPr>
+          <p:cNvSpPr/>
+          <p:nvPr/>
+        </p:nvSpPr>
+        <p:spPr>
+          <a:xfrm>
+            <a:off x="604800" y="12160739"/>
+            <a:ext cx="158400" cy="237600"/>
+          </a:xfrm>
+          <a:prstGeom prst="rect">
+            <a:avLst/>
+          </a:prstGeom>
+          <a:solidFill>
+            <a:schemeClr val="bg1"/>
+          </a:solidFill>
+          <a:ln>
+            <a:noFill/>
+          </a:ln>
+        </p:spPr>
+        <p:style>
+          <a:lnRef idx="2">
+            <a:schemeClr val="accent1">
+              <a:shade val="50000"/>
+            </a:schemeClr>
+          </a:lnRef>
+          <a:fillRef idx="1">
+            <a:schemeClr val="accent1"/>
+          </a:fillRef>
+          <a:effectRef idx="0">
+            <a:schemeClr val="accent1"/>
+          </a:effectRef>
+          <a:fontRef idx="minor">
+            <a:schemeClr val="lt1"/>
+          </a:fontRef>
+        </p:style>
+        <p:txBody>
+          <a:bodyPr rtlCol="0" anchor="ctr"/>
+          <a:lstStyle/>
+          <a:p>
+            <a:pPr algn="ctr"/>
+            <a:endParaRPr lang="en-US"/>
+          </a:p>
+        </p:txBody>
+      </p:sp>
+      <p:sp>
+        <p:nvSpPr>
+          <p:cNvPr id="33" name="Rectangle 32">
+            <a:extLst>
+              <a:ext uri="{FF2B5EF4-FFF2-40B4-BE49-F238E27FC236}">
+                <a16:creationId xmlns:a16="http://schemas.microsoft.com/office/drawing/2014/main" id="{AE42B838-BEE9-7744-BD05-C397438962DE}"/>
+              </a:ext>
+            </a:extLst>
+          </p:cNvPr>
+          <p:cNvSpPr/>
+          <p:nvPr/>
+        </p:nvSpPr>
+        <p:spPr>
+          <a:xfrm>
+            <a:off x="604800" y="12761858"/>
+            <a:ext cx="158400" cy="237600"/>
+          </a:xfrm>
+          <a:prstGeom prst="rect">
+            <a:avLst/>
+          </a:prstGeom>
+          <a:solidFill>
+            <a:schemeClr val="bg1"/>
+          </a:solidFill>
+          <a:ln>
+            <a:noFill/>
+          </a:ln>
+        </p:spPr>
+        <p:style>
+          <a:lnRef idx="2">
+            <a:schemeClr val="accent1">
+              <a:shade val="50000"/>
+            </a:schemeClr>
+          </a:lnRef>
+          <a:fillRef idx="1">
+            <a:schemeClr val="accent1"/>
+          </a:fillRef>
+          <a:effectRef idx="0">
+            <a:schemeClr val="accent1"/>
+          </a:effectRef>
+          <a:fontRef idx="minor">
+            <a:schemeClr val="lt1"/>
+          </a:fontRef>
+        </p:style>
+        <p:txBody>
+          <a:bodyPr rtlCol="0" anchor="ctr"/>
+          <a:lstStyle/>
+          <a:p>
+            <a:pPr algn="ctr"/>
+            <a:endParaRPr lang="en-US"/>
+          </a:p>
+        </p:txBody>
+      </p:sp>
+      <p:sp>
+        <p:nvSpPr>
+          <p:cNvPr id="34" name="Rectangle 33">
+            <a:extLst>
+              <a:ext uri="{FF2B5EF4-FFF2-40B4-BE49-F238E27FC236}">
+                <a16:creationId xmlns:a16="http://schemas.microsoft.com/office/drawing/2014/main" id="{5519713C-DE95-0A46-AB8F-7817285D19B8}"/>
+              </a:ext>
+            </a:extLst>
+          </p:cNvPr>
+          <p:cNvSpPr/>
+          <p:nvPr/>
+        </p:nvSpPr>
+        <p:spPr>
+          <a:xfrm>
+            <a:off x="2326800" y="12178820"/>
+            <a:ext cx="158400" cy="237600"/>
+          </a:xfrm>
+          <a:prstGeom prst="rect">
+            <a:avLst/>
+          </a:prstGeom>
+          <a:solidFill>
+            <a:schemeClr val="bg1"/>
+          </a:solidFill>
+          <a:ln>
+            <a:noFill/>
+          </a:ln>
+        </p:spPr>
+        <p:style>
+          <a:lnRef idx="2">
+            <a:schemeClr val="accent1">
+              <a:shade val="50000"/>
+            </a:schemeClr>
+          </a:lnRef>
+          <a:fillRef idx="1">
+            <a:schemeClr val="accent1"/>
+          </a:fillRef>
+          <a:effectRef idx="0">
+            <a:schemeClr val="accent1"/>
+          </a:effectRef>
+          <a:fontRef idx="minor">
+            <a:schemeClr val="lt1"/>
+          </a:fontRef>
+        </p:style>
+        <p:txBody>
+          <a:bodyPr rtlCol="0" anchor="ctr"/>
+          <a:lstStyle/>
+          <a:p>
+            <a:pPr algn="ctr"/>
+            <a:endParaRPr lang="en-US"/>
+          </a:p>
+        </p:txBody>
+      </p:sp>
+      <p:sp>
+        <p:nvSpPr>
+          <p:cNvPr id="35" name="Rectangle 34">
+            <a:extLst>
+              <a:ext uri="{FF2B5EF4-FFF2-40B4-BE49-F238E27FC236}">
+                <a16:creationId xmlns:a16="http://schemas.microsoft.com/office/drawing/2014/main" id="{314CED67-339B-6543-B7E4-A81AB3664690}"/>
+              </a:ext>
+            </a:extLst>
+          </p:cNvPr>
+          <p:cNvSpPr/>
+          <p:nvPr/>
+        </p:nvSpPr>
+        <p:spPr>
+          <a:xfrm>
+            <a:off x="2326800" y="12779939"/>
+            <a:ext cx="158400" cy="237600"/>
+          </a:xfrm>
+          <a:prstGeom prst="rect">
+            <a:avLst/>
+          </a:prstGeom>
+          <a:solidFill>
+            <a:schemeClr val="bg1"/>
+          </a:solidFill>
+          <a:ln>
+            <a:noFill/>
+          </a:ln>
+        </p:spPr>
+        <p:style>
+          <a:lnRef idx="2">
+            <a:schemeClr val="accent1">
+              <a:shade val="50000"/>
+            </a:schemeClr>
+          </a:lnRef>
+          <a:fillRef idx="1">
+            <a:schemeClr val="accent1"/>
+          </a:fillRef>
+          <a:effectRef idx="0">
+            <a:schemeClr val="accent1"/>
+          </a:effectRef>
+          <a:fontRef idx="minor">
+            <a:schemeClr val="lt1"/>
+          </a:fontRef>
+        </p:style>
+        <p:txBody>
+          <a:bodyPr rtlCol="0" anchor="ctr"/>
+          <a:lstStyle/>
+          <a:p>
+            <a:pPr algn="ctr"/>
+            <a:endParaRPr lang="en-US"/>
+          </a:p>
+        </p:txBody>
+      </p:sp>
+      <p:sp>
+        <p:nvSpPr>
+          <p:cNvPr id="36" name="Rectangle 35">
+            <a:extLst>
+              <a:ext uri="{FF2B5EF4-FFF2-40B4-BE49-F238E27FC236}">
+                <a16:creationId xmlns:a16="http://schemas.microsoft.com/office/drawing/2014/main" id="{EC466BB1-BFF9-A54B-8CC1-B0991B31BFAE}"/>
+              </a:ext>
+            </a:extLst>
+          </p:cNvPr>
+          <p:cNvSpPr/>
+          <p:nvPr/>
+        </p:nvSpPr>
+        <p:spPr>
+          <a:xfrm>
+            <a:off x="4006800" y="12160739"/>
+            <a:ext cx="158400" cy="237600"/>
+          </a:xfrm>
+          <a:prstGeom prst="rect">
+            <a:avLst/>
+          </a:prstGeom>
+          <a:solidFill>
+            <a:schemeClr val="bg1"/>
+          </a:solidFill>
+          <a:ln>
+            <a:noFill/>
+          </a:ln>
+        </p:spPr>
+        <p:style>
+          <a:lnRef idx="2">
+            <a:schemeClr val="accent1">
+              <a:shade val="50000"/>
+            </a:schemeClr>
+          </a:lnRef>
+          <a:fillRef idx="1">
+            <a:schemeClr val="accent1"/>
+          </a:fillRef>
+          <a:effectRef idx="0">
+            <a:schemeClr val="accent1"/>
+          </a:effectRef>
+          <a:fontRef idx="minor">
+            <a:schemeClr val="lt1"/>
+          </a:fontRef>
+        </p:style>
+        <p:txBody>
+          <a:bodyPr rtlCol="0" anchor="ctr"/>
+          <a:lstStyle/>
+          <a:p>
+            <a:pPr algn="ctr"/>
+            <a:endParaRPr lang="en-US"/>
+          </a:p>
+        </p:txBody>
+      </p:sp>
+      <p:sp>
+        <p:nvSpPr>
+          <p:cNvPr id="37" name="Rectangle 36">
+            <a:extLst>
+              <a:ext uri="{FF2B5EF4-FFF2-40B4-BE49-F238E27FC236}">
+                <a16:creationId xmlns:a16="http://schemas.microsoft.com/office/drawing/2014/main" id="{6D104021-3525-AC42-9613-ADA8D05F28C8}"/>
+              </a:ext>
+            </a:extLst>
+          </p:cNvPr>
+          <p:cNvSpPr/>
+          <p:nvPr/>
+        </p:nvSpPr>
+        <p:spPr>
+          <a:xfrm>
+            <a:off x="4006800" y="12761858"/>
+            <a:ext cx="158400" cy="237600"/>
+          </a:xfrm>
+          <a:prstGeom prst="rect">
+            <a:avLst/>
+          </a:prstGeom>
+          <a:solidFill>
+            <a:schemeClr val="bg1"/>
+          </a:solidFill>
+          <a:ln>
+            <a:noFill/>
+          </a:ln>
+        </p:spPr>
+        <p:style>
+          <a:lnRef idx="2">
+            <a:schemeClr val="accent1">
+              <a:shade val="50000"/>
+            </a:schemeClr>
+          </a:lnRef>
+          <a:fillRef idx="1">
+            <a:schemeClr val="accent1"/>
+          </a:fillRef>
+          <a:effectRef idx="0">
+            <a:schemeClr val="accent1"/>
+          </a:effectRef>
+          <a:fontRef idx="minor">
+            <a:schemeClr val="lt1"/>
+          </a:fontRef>
+        </p:style>
+        <p:txBody>
+          <a:bodyPr rtlCol="0" anchor="ctr"/>
+          <a:lstStyle/>
+          <a:p>
+            <a:pPr algn="ctr"/>
+            <a:endParaRPr lang="en-US"/>
           </a:p>
         </p:txBody>
       </p:sp>

--- a/forwardModel/BKA-results/data-model-resids/Cont/contBKA-gallery.pptx
+++ b/forwardModel/BKA-results/data-model-resids/Cont/contBKA-gallery.pptx
@@ -197,7 +197,7 @@
           <a:p>
             <a:fld id="{08C121A9-109E-EB46-8716-F9E8805ED9E7}" type="datetimeFigureOut">
               <a:rPr lang="en-US" smtClean="0"/>
-              <a:t>1/11/22</a:t>
+              <a:t>5/24/22</a:t>
             </a:fld>
             <a:endParaRPr lang="en-US"/>
           </a:p>
@@ -679,7 +679,7 @@
           <a:p>
             <a:fld id="{92FBD9D3-FD56-2445-B4E5-1DB60E749807}" type="datetimeFigureOut">
               <a:rPr lang="en-US" smtClean="0"/>
-              <a:t>1/11/22</a:t>
+              <a:t>5/24/22</a:t>
             </a:fld>
             <a:endParaRPr lang="en-US"/>
           </a:p>
@@ -849,7 +849,7 @@
           <a:p>
             <a:fld id="{92FBD9D3-FD56-2445-B4E5-1DB60E749807}" type="datetimeFigureOut">
               <a:rPr lang="en-US" smtClean="0"/>
-              <a:t>1/11/22</a:t>
+              <a:t>5/24/22</a:t>
             </a:fld>
             <a:endParaRPr lang="en-US"/>
           </a:p>
@@ -1029,7 +1029,7 @@
           <a:p>
             <a:fld id="{92FBD9D3-FD56-2445-B4E5-1DB60E749807}" type="datetimeFigureOut">
               <a:rPr lang="en-US" smtClean="0"/>
-              <a:t>1/11/22</a:t>
+              <a:t>5/24/22</a:t>
             </a:fld>
             <a:endParaRPr lang="en-US"/>
           </a:p>
@@ -1199,7 +1199,7 @@
           <a:p>
             <a:fld id="{92FBD9D3-FD56-2445-B4E5-1DB60E749807}" type="datetimeFigureOut">
               <a:rPr lang="en-US" smtClean="0"/>
-              <a:t>1/11/22</a:t>
+              <a:t>5/24/22</a:t>
             </a:fld>
             <a:endParaRPr lang="en-US"/>
           </a:p>
@@ -1443,7 +1443,7 @@
           <a:p>
             <a:fld id="{92FBD9D3-FD56-2445-B4E5-1DB60E749807}" type="datetimeFigureOut">
               <a:rPr lang="en-US" smtClean="0"/>
-              <a:t>1/11/22</a:t>
+              <a:t>5/24/22</a:t>
             </a:fld>
             <a:endParaRPr lang="en-US"/>
           </a:p>
@@ -1675,7 +1675,7 @@
           <a:p>
             <a:fld id="{92FBD9D3-FD56-2445-B4E5-1DB60E749807}" type="datetimeFigureOut">
               <a:rPr lang="en-US" smtClean="0"/>
-              <a:t>1/11/22</a:t>
+              <a:t>5/24/22</a:t>
             </a:fld>
             <a:endParaRPr lang="en-US"/>
           </a:p>
@@ -2042,7 +2042,7 @@
           <a:p>
             <a:fld id="{92FBD9D3-FD56-2445-B4E5-1DB60E749807}" type="datetimeFigureOut">
               <a:rPr lang="en-US" smtClean="0"/>
-              <a:t>1/11/22</a:t>
+              <a:t>5/24/22</a:t>
             </a:fld>
             <a:endParaRPr lang="en-US"/>
           </a:p>
@@ -2160,7 +2160,7 @@
           <a:p>
             <a:fld id="{92FBD9D3-FD56-2445-B4E5-1DB60E749807}" type="datetimeFigureOut">
               <a:rPr lang="en-US" smtClean="0"/>
-              <a:t>1/11/22</a:t>
+              <a:t>5/24/22</a:t>
             </a:fld>
             <a:endParaRPr lang="en-US"/>
           </a:p>
@@ -2255,7 +2255,7 @@
           <a:p>
             <a:fld id="{92FBD9D3-FD56-2445-B4E5-1DB60E749807}" type="datetimeFigureOut">
               <a:rPr lang="en-US" smtClean="0"/>
-              <a:t>1/11/22</a:t>
+              <a:t>5/24/22</a:t>
             </a:fld>
             <a:endParaRPr lang="en-US"/>
           </a:p>
@@ -2532,7 +2532,7 @@
           <a:p>
             <a:fld id="{92FBD9D3-FD56-2445-B4E5-1DB60E749807}" type="datetimeFigureOut">
               <a:rPr lang="en-US" smtClean="0"/>
-              <a:t>1/11/22</a:t>
+              <a:t>5/24/22</a:t>
             </a:fld>
             <a:endParaRPr lang="en-US"/>
           </a:p>
@@ -2789,7 +2789,7 @@
           <a:p>
             <a:fld id="{92FBD9D3-FD56-2445-B4E5-1DB60E749807}" type="datetimeFigureOut">
               <a:rPr lang="en-US" smtClean="0"/>
-              <a:t>1/11/22</a:t>
+              <a:t>5/24/22</a:t>
             </a:fld>
             <a:endParaRPr lang="en-US"/>
           </a:p>
@@ -3002,7 +3002,7 @@
           <a:p>
             <a:fld id="{92FBD9D3-FD56-2445-B4E5-1DB60E749807}" type="datetimeFigureOut">
               <a:rPr lang="en-US" smtClean="0"/>
-              <a:t>1/11/22</a:t>
+              <a:t>5/24/22</a:t>
             </a:fld>
             <a:endParaRPr lang="en-US"/>
           </a:p>
@@ -4826,6 +4826,240 @@
           <a:p>
             <a:pPr algn="ctr"/>
             <a:endParaRPr lang="en-US"/>
+          </a:p>
+        </p:txBody>
+      </p:sp>
+      <p:sp>
+        <p:nvSpPr>
+          <p:cNvPr id="38" name="TextBox 37">
+            <a:extLst>
+              <a:ext uri="{FF2B5EF4-FFF2-40B4-BE49-F238E27FC236}">
+                <a16:creationId xmlns:a16="http://schemas.microsoft.com/office/drawing/2014/main" id="{DDF06D99-B8C0-C831-FB77-1A8CD21BD258}"/>
+              </a:ext>
+            </a:extLst>
+          </p:cNvPr>
+          <p:cNvSpPr txBox="1"/>
+          <p:nvPr/>
+        </p:nvSpPr>
+        <p:spPr>
+          <a:xfrm rot="16200000">
+            <a:off x="-605775" y="952955"/>
+            <a:ext cx="1439818" cy="369332"/>
+          </a:xfrm>
+          <a:prstGeom prst="rect">
+            <a:avLst/>
+          </a:prstGeom>
+          <a:noFill/>
+        </p:spPr>
+        <p:txBody>
+          <a:bodyPr wrap="none" rtlCol="0">
+            <a:spAutoFit/>
+          </a:bodyPr>
+          <a:lstStyle/>
+          <a:p>
+            <a:r>
+              <a:rPr lang="en-US" dirty="0">
+                <a:latin typeface="DEJAVU SANS MONO" panose="020B0609030804020204" pitchFamily="49" charset="0"/>
+                <a:ea typeface="DEJAVU SANS MONO" panose="020B0609030804020204" pitchFamily="49" charset="0"/>
+                <a:cs typeface="DEJAVU SANS MONO" panose="020B0609030804020204" pitchFamily="49" charset="0"/>
+              </a:rPr>
+              <a:t>11 Apr 13</a:t>
+            </a:r>
+          </a:p>
+        </p:txBody>
+      </p:sp>
+      <p:sp>
+        <p:nvSpPr>
+          <p:cNvPr id="39" name="TextBox 38">
+            <a:extLst>
+              <a:ext uri="{FF2B5EF4-FFF2-40B4-BE49-F238E27FC236}">
+                <a16:creationId xmlns:a16="http://schemas.microsoft.com/office/drawing/2014/main" id="{6466E463-004B-DFB3-03D3-6F6D085842AE}"/>
+              </a:ext>
+            </a:extLst>
+          </p:cNvPr>
+          <p:cNvSpPr txBox="1"/>
+          <p:nvPr/>
+        </p:nvSpPr>
+        <p:spPr>
+          <a:xfrm rot="16200000">
+            <a:off x="-518520" y="3238955"/>
+            <a:ext cx="1300356" cy="369332"/>
+          </a:xfrm>
+          <a:prstGeom prst="rect">
+            <a:avLst/>
+          </a:prstGeom>
+          <a:noFill/>
+        </p:spPr>
+        <p:txBody>
+          <a:bodyPr wrap="none" rtlCol="0">
+            <a:spAutoFit/>
+          </a:bodyPr>
+          <a:lstStyle/>
+          <a:p>
+            <a:r>
+              <a:rPr lang="en-US" dirty="0">
+                <a:latin typeface="DEJAVU SANS MONO" panose="020B0609030804020204" pitchFamily="49" charset="0"/>
+                <a:ea typeface="DEJAVU SANS MONO" panose="020B0609030804020204" pitchFamily="49" charset="0"/>
+                <a:cs typeface="DEJAVU SANS MONO" panose="020B0609030804020204" pitchFamily="49" charset="0"/>
+              </a:rPr>
+              <a:t>8 Apr 14</a:t>
+            </a:r>
+          </a:p>
+        </p:txBody>
+      </p:sp>
+      <p:sp>
+        <p:nvSpPr>
+          <p:cNvPr id="40" name="TextBox 39">
+            <a:extLst>
+              <a:ext uri="{FF2B5EF4-FFF2-40B4-BE49-F238E27FC236}">
+                <a16:creationId xmlns:a16="http://schemas.microsoft.com/office/drawing/2014/main" id="{BD96DFB5-3603-6B12-4AA7-1CF34C27D1C4}"/>
+              </a:ext>
+            </a:extLst>
+          </p:cNvPr>
+          <p:cNvSpPr txBox="1"/>
+          <p:nvPr/>
+        </p:nvSpPr>
+        <p:spPr>
+          <a:xfrm rot="16200000">
+            <a:off x="-588251" y="5524955"/>
+            <a:ext cx="1439818" cy="369332"/>
+          </a:xfrm>
+          <a:prstGeom prst="rect">
+            <a:avLst/>
+          </a:prstGeom>
+          <a:noFill/>
+        </p:spPr>
+        <p:txBody>
+          <a:bodyPr wrap="none" rtlCol="0">
+            <a:spAutoFit/>
+          </a:bodyPr>
+          <a:lstStyle/>
+          <a:p>
+            <a:r>
+              <a:rPr lang="en-US" dirty="0">
+                <a:latin typeface="DEJAVU SANS MONO" panose="020B0609030804020204" pitchFamily="49" charset="0"/>
+                <a:ea typeface="DEJAVU SANS MONO" panose="020B0609030804020204" pitchFamily="49" charset="0"/>
+                <a:cs typeface="DEJAVU SANS MONO" panose="020B0609030804020204" pitchFamily="49" charset="0"/>
+              </a:rPr>
+              <a:t>15 May 15</a:t>
+            </a:r>
+          </a:p>
+        </p:txBody>
+      </p:sp>
+      <p:sp>
+        <p:nvSpPr>
+          <p:cNvPr id="41" name="TextBox 40">
+            <a:extLst>
+              <a:ext uri="{FF2B5EF4-FFF2-40B4-BE49-F238E27FC236}">
+                <a16:creationId xmlns:a16="http://schemas.microsoft.com/office/drawing/2014/main" id="{360C4DC0-199B-C1E2-0F34-98BB530EBE72}"/>
+              </a:ext>
+            </a:extLst>
+          </p:cNvPr>
+          <p:cNvSpPr txBox="1"/>
+          <p:nvPr/>
+        </p:nvSpPr>
+        <p:spPr>
+          <a:xfrm rot="16200000">
+            <a:off x="-588251" y="7810955"/>
+            <a:ext cx="1439818" cy="369332"/>
+          </a:xfrm>
+          <a:prstGeom prst="rect">
+            <a:avLst/>
+          </a:prstGeom>
+          <a:noFill/>
+        </p:spPr>
+        <p:txBody>
+          <a:bodyPr wrap="none" rtlCol="0">
+            <a:spAutoFit/>
+          </a:bodyPr>
+          <a:lstStyle/>
+          <a:p>
+            <a:r>
+              <a:rPr lang="en-US" dirty="0">
+                <a:latin typeface="DEJAVU SANS MONO" panose="020B0609030804020204" pitchFamily="49" charset="0"/>
+                <a:ea typeface="DEJAVU SANS MONO" panose="020B0609030804020204" pitchFamily="49" charset="0"/>
+                <a:cs typeface="DEJAVU SANS MONO" panose="020B0609030804020204" pitchFamily="49" charset="0"/>
+              </a:rPr>
+              <a:t>16 May 15</a:t>
+            </a:r>
+          </a:p>
+        </p:txBody>
+      </p:sp>
+      <p:sp>
+        <p:nvSpPr>
+          <p:cNvPr id="42" name="TextBox 41">
+            <a:extLst>
+              <a:ext uri="{FF2B5EF4-FFF2-40B4-BE49-F238E27FC236}">
+                <a16:creationId xmlns:a16="http://schemas.microsoft.com/office/drawing/2014/main" id="{46748432-BBCF-4289-E82C-AED9EFCF900D}"/>
+              </a:ext>
+            </a:extLst>
+          </p:cNvPr>
+          <p:cNvSpPr txBox="1"/>
+          <p:nvPr/>
+        </p:nvSpPr>
+        <p:spPr>
+          <a:xfrm rot="16200000">
+            <a:off x="-535242" y="10118473"/>
+            <a:ext cx="1439818" cy="369332"/>
+          </a:xfrm>
+          <a:prstGeom prst="rect">
+            <a:avLst/>
+          </a:prstGeom>
+          <a:noFill/>
+        </p:spPr>
+        <p:txBody>
+          <a:bodyPr wrap="none" rtlCol="0">
+            <a:spAutoFit/>
+          </a:bodyPr>
+          <a:lstStyle/>
+          <a:p>
+            <a:r>
+              <a:rPr lang="en-US" dirty="0">
+                <a:latin typeface="DEJAVU SANS MONO" panose="020B0609030804020204" pitchFamily="49" charset="0"/>
+                <a:ea typeface="DEJAVU SANS MONO" panose="020B0609030804020204" pitchFamily="49" charset="0"/>
+                <a:cs typeface="DEJAVU SANS MONO" panose="020B0609030804020204" pitchFamily="49" charset="0"/>
+              </a:rPr>
+              <a:t>18 May 15</a:t>
+            </a:r>
+          </a:p>
+        </p:txBody>
+      </p:sp>
+      <p:sp>
+        <p:nvSpPr>
+          <p:cNvPr id="43" name="TextBox 42">
+            <a:extLst>
+              <a:ext uri="{FF2B5EF4-FFF2-40B4-BE49-F238E27FC236}">
+                <a16:creationId xmlns:a16="http://schemas.microsoft.com/office/drawing/2014/main" id="{8781DD59-972E-41B4-10D5-9323630CEE90}"/>
+              </a:ext>
+            </a:extLst>
+          </p:cNvPr>
+          <p:cNvSpPr txBox="1"/>
+          <p:nvPr/>
+        </p:nvSpPr>
+        <p:spPr>
+          <a:xfrm rot="16200000">
+            <a:off x="-535242" y="12404473"/>
+            <a:ext cx="1439818" cy="369332"/>
+          </a:xfrm>
+          <a:prstGeom prst="rect">
+            <a:avLst/>
+          </a:prstGeom>
+          <a:noFill/>
+        </p:spPr>
+        <p:txBody>
+          <a:bodyPr wrap="none" rtlCol="0">
+            <a:spAutoFit/>
+          </a:bodyPr>
+          <a:lstStyle/>
+          <a:p>
+            <a:r>
+              <a:rPr lang="en-US" dirty="0">
+                <a:latin typeface="DEJAVU SANS MONO" panose="020B0609030804020204" pitchFamily="49" charset="0"/>
+                <a:ea typeface="DEJAVU SANS MONO" panose="020B0609030804020204" pitchFamily="49" charset="0"/>
+                <a:cs typeface="DEJAVU SANS MONO" panose="020B0609030804020204" pitchFamily="49" charset="0"/>
+              </a:rPr>
+              <a:t>27 Apr 18</a:t>
+            </a:r>
           </a:p>
         </p:txBody>
       </p:sp>
